--- a/doc/memo.pptx
+++ b/doc/memo.pptx
@@ -107,6 +107,11 @@
       </a:defRPr>
     </a:lvl9pPr>
   </p:defaultTextStyle>
+  <p:extLst>
+    <p:ext uri="{EFAFB233-063F-42B5-8137-9DF3F51BA10A}">
+      <p15:sldGuideLst xmlns:p15="http://schemas.microsoft.com/office/powerpoint/2012/main"/>
+    </p:ext>
+  </p:extLst>
 </p:presentation>
 </file>
 
@@ -3720,10 +3725,10 @@
       </p:sp>
       <p:pic>
         <p:nvPicPr>
-          <p:cNvPr id="31" name="Picture 30" descr="A screen shot of a computer program&#10;&#10;Description automatically generated">
-            <a:extLst>
-              <a:ext uri="{FF2B5EF4-FFF2-40B4-BE49-F238E27FC236}">
-                <a16:creationId xmlns:a16="http://schemas.microsoft.com/office/drawing/2014/main" id="{0C3F4DB8-6D4B-DC22-CCDC-676352E8B9BD}"/>
+          <p:cNvPr id="3" name="Picture 2" descr="A computer screen with white text&#10;&#10;Description automatically generated">
+            <a:extLst>
+              <a:ext uri="{FF2B5EF4-FFF2-40B4-BE49-F238E27FC236}">
+                <a16:creationId xmlns:a16="http://schemas.microsoft.com/office/drawing/2014/main" id="{F1AF194D-9D53-2BE3-3D0C-D9D5928C07DB}"/>
               </a:ext>
             </a:extLst>
           </p:cNvPr>
@@ -3740,8 +3745,8 @@
         </p:blipFill>
         <p:spPr>
           <a:xfrm>
-            <a:off x="6299010" y="641494"/>
-            <a:ext cx="5667768" cy="3274711"/>
+            <a:off x="6298092" y="790344"/>
+            <a:ext cx="5594298" cy="3064794"/>
           </a:xfrm>
           <a:prstGeom prst="rect">
             <a:avLst/>
